--- a/Step8/Step8-Azure Monitor.pptx
+++ b/Step8/Step8-Azure Monitor.pptx
@@ -7325,27 +7325,161 @@
       </p:grpSpPr>
       <p:sp>
         <p:nvSpPr>
-          <p:cNvPr id="2" name="Title 1"/>
-          <p:cNvSpPr>
-            <a:spLocks noGrp="1"/>
+          <p:cNvPr id="4" name="Title 1">
+            <a:extLst>
+              <a:ext uri="{FF2B5EF4-FFF2-40B4-BE49-F238E27FC236}">
+                <a16:creationId xmlns:a16="http://schemas.microsoft.com/office/drawing/2014/main" id="{64C128B4-69F4-4874-A340-8FEF9B84283D}"/>
+              </a:ext>
+            </a:extLst>
+          </p:cNvPr>
+          <p:cNvSpPr txBox="1">
+            <a:spLocks/>
           </p:cNvSpPr>
-          <p:nvPr>
-            <p:ph type="ctrTitle"/>
-          </p:nvPr>
+          <p:nvPr/>
         </p:nvSpPr>
         <p:spPr>
           <a:xfrm>
-            <a:off x="866856" y="889131"/>
-            <a:ext cx="10722224" cy="1195233"/>
+            <a:off x="350489" y="1391060"/>
+            <a:ext cx="11665802" cy="1136988"/>
           </a:xfrm>
+          <a:prstGeom prst="rect">
+            <a:avLst/>
+          </a:prstGeom>
         </p:spPr>
         <p:txBody>
-          <a:bodyPr/>
+          <a:bodyPr>
+            <a:noAutofit/>
+          </a:bodyPr>
+          <a:lstStyle>
+            <a:lvl1pPr algn="ctr" defTabSz="932372" rtl="0" eaLnBrk="1" latinLnBrk="0" hangingPunct="1">
+              <a:lnSpc>
+                <a:spcPct val="90000"/>
+              </a:lnSpc>
+              <a:spcBef>
+                <a:spcPct val="0"/>
+              </a:spcBef>
+              <a:buNone/>
+              <a:defRPr lang="en-US" sz="8159" b="0" kern="1200" cap="none" spc="-102" baseline="0">
+                <a:ln w="3175">
+                  <a:noFill/>
+                </a:ln>
+                <a:solidFill>
+                  <a:schemeClr val="bg1"/>
+                </a:solidFill>
+                <a:effectLst/>
+                <a:latin typeface="+mj-lt"/>
+                <a:ea typeface="+mn-ea"/>
+                <a:cs typeface="Segoe UI" pitchFamily="34" charset="0"/>
+              </a:defRPr>
+            </a:lvl1pPr>
+          </a:lstStyle>
+          <a:p>
+            <a:r>
+              <a:rPr lang="en-CA" sz="4400" dirty="0"/>
+              <a:t>Azure Monitor has 3 categories of monitoring data</a:t>
+            </a:r>
+          </a:p>
+        </p:txBody>
+      </p:sp>
+      <p:sp>
+        <p:nvSpPr>
+          <p:cNvPr id="5" name="Rectangle 4">
+            <a:extLst>
+              <a:ext uri="{FF2B5EF4-FFF2-40B4-BE49-F238E27FC236}">
+                <a16:creationId xmlns:a16="http://schemas.microsoft.com/office/drawing/2014/main" id="{72F87259-E385-4AB7-BF94-F75D82066318}"/>
+              </a:ext>
+            </a:extLst>
+          </p:cNvPr>
+          <p:cNvSpPr/>
+          <p:nvPr/>
+        </p:nvSpPr>
+        <p:spPr>
+          <a:xfrm>
+            <a:off x="649045" y="2386423"/>
+            <a:ext cx="11192466" cy="923330"/>
+          </a:xfrm>
+          <a:prstGeom prst="rect">
+            <a:avLst/>
+          </a:prstGeom>
+        </p:spPr>
+        <p:txBody>
+          <a:bodyPr>
+            <a:noAutofit/>
+          </a:bodyPr>
           <a:lstStyle/>
           <a:p>
+            <a:pPr marL="571500" indent="-571500" defTabSz="932372">
+              <a:lnSpc>
+                <a:spcPct val="90000"/>
+              </a:lnSpc>
+              <a:spcBef>
+                <a:spcPct val="0"/>
+              </a:spcBef>
+              <a:buFont typeface="Arial" panose="020B0604020202020204" pitchFamily="34" charset="0"/>
+              <a:buChar char="•"/>
+            </a:pPr>
             <a:r>
-              <a:rPr lang="en-US" b="1" dirty="0"/>
-              <a:t>Single resource view</a:t>
+              <a:rPr lang="en-CA" sz="4400" spc="-102" dirty="0">
+                <a:ln w="3175">
+                  <a:noFill/>
+                </a:ln>
+                <a:solidFill>
+                  <a:schemeClr val="bg1"/>
+                </a:solidFill>
+                <a:latin typeface="+mj-lt"/>
+                <a:cs typeface="Segoe UI" pitchFamily="34" charset="0"/>
+              </a:rPr>
+              <a:t>Activity logs</a:t>
+            </a:r>
+          </a:p>
+          <a:p>
+            <a:pPr marL="571500" indent="-571500" defTabSz="932372">
+              <a:lnSpc>
+                <a:spcPct val="90000"/>
+              </a:lnSpc>
+              <a:spcBef>
+                <a:spcPct val="0"/>
+              </a:spcBef>
+              <a:buFont typeface="Arial" panose="020B0604020202020204" pitchFamily="34" charset="0"/>
+              <a:buChar char="•"/>
+            </a:pPr>
+            <a:r>
+              <a:rPr lang="en-CA" sz="4400" spc="-102" dirty="0">
+                <a:ln w="3175">
+                  <a:noFill/>
+                </a:ln>
+                <a:solidFill>
+                  <a:schemeClr val="bg1"/>
+                </a:solidFill>
+                <a:latin typeface="+mj-lt"/>
+                <a:cs typeface="Segoe UI" pitchFamily="34" charset="0"/>
+              </a:rPr>
+              <a:t>Diagnostic logs</a:t>
+            </a:r>
+          </a:p>
+          <a:p>
+            <a:pPr marL="571500" indent="-571500" defTabSz="932372">
+              <a:lnSpc>
+                <a:spcPct val="90000"/>
+              </a:lnSpc>
+              <a:spcBef>
+                <a:spcPct val="0"/>
+              </a:spcBef>
+              <a:buFont typeface="Arial" panose="020B0604020202020204" pitchFamily="34" charset="0"/>
+              <a:buChar char="•"/>
+            </a:pPr>
+            <a:r>
+              <a:rPr lang="en-CA" sz="4400" spc="-102" dirty="0">
+                <a:ln w="3175">
+                  <a:noFill/>
+                </a:ln>
+                <a:solidFill>
+                  <a:schemeClr val="bg1"/>
+                </a:solidFill>
+                <a:latin typeface="+mj-lt"/>
+                <a:cs typeface="Segoe UI" pitchFamily="34" charset="0"/>
+              </a:rPr>
+              <a:t>Metrics</a:t>
             </a:r>
           </a:p>
         </p:txBody>

--- a/Step8/Step8-Azure Monitor.pptx
+++ b/Step8/Step8-Azure Monitor.pptx
@@ -6912,16 +6912,20 @@
       </p:sp>
       <p:sp>
         <p:nvSpPr>
-          <p:cNvPr id="3" name="Title 1"/>
-          <p:cNvSpPr txBox="1">
-            <a:spLocks/>
-          </p:cNvSpPr>
+          <p:cNvPr id="4" name="TextBox 3">
+            <a:extLst>
+              <a:ext uri="{FF2B5EF4-FFF2-40B4-BE49-F238E27FC236}">
+                <a16:creationId xmlns:a16="http://schemas.microsoft.com/office/drawing/2014/main" id="{23CE73A5-1707-40F7-AAC0-BD2D7E4F7AF2}"/>
+              </a:ext>
+            </a:extLst>
+          </p:cNvPr>
+          <p:cNvSpPr txBox="1"/>
           <p:nvPr/>
         </p:nvSpPr>
         <p:spPr>
           <a:xfrm>
-            <a:off x="866856" y="2681977"/>
-            <a:ext cx="10722224" cy="3286892"/>
+            <a:off x="451357" y="2439047"/>
+            <a:ext cx="11553221" cy="2434167"/>
           </a:xfrm>
           <a:prstGeom prst="rect">
             <a:avLst/>
@@ -6932,7 +6936,10 @@
             <a:noAutofit/>
           </a:bodyPr>
           <a:lstStyle>
-            <a:lvl1pPr algn="ctr" defTabSz="932372" rtl="0" eaLnBrk="1" latinLnBrk="0" hangingPunct="1">
+            <a:defPPr>
+              <a:defRPr lang="en-US"/>
+            </a:defPPr>
+            <a:lvl1pPr algn="ctr" defTabSz="932372">
               <a:lnSpc>
                 <a:spcPct val="90000"/>
               </a:lnSpc>
@@ -6940,7 +6947,7 @@
                 <a:spcPct val="0"/>
               </a:spcBef>
               <a:buNone/>
-              <a:defRPr lang="en-US" sz="8159" b="0" kern="1200" cap="none" spc="-102" baseline="0">
+              <a:defRPr sz="5400" b="0" cap="none" spc="-102" baseline="0">
                 <a:ln w="3175">
                   <a:noFill/>
                 </a:ln>
@@ -6949,15 +6956,28 @@
                 </a:solidFill>
                 <a:effectLst/>
                 <a:latin typeface="+mj-lt"/>
-                <a:ea typeface="+mn-ea"/>
                 <a:cs typeface="Segoe UI" pitchFamily="34" charset="0"/>
               </a:defRPr>
             </a:lvl1pPr>
           </a:lstStyle>
           <a:p>
+            <a:pPr marL="685800" indent="-685800" algn="l">
+              <a:buFont typeface="Arial" panose="020B0604020202020204" pitchFamily="34" charset="0"/>
+              <a:buChar char="•"/>
+            </a:pPr>
             <a:r>
-              <a:rPr lang="en-CA" sz="5400" dirty="0"/>
-              <a:t>Learn how to use Azure Monitor to have a better visibility into anything that can impact your app availability and performance</a:t>
+              <a:rPr lang="en-CA" sz="4000" dirty="0"/>
+              <a:t>Understand the monitoring capabilities offered by Azure Monitor.</a:t>
+            </a:r>
+          </a:p>
+          <a:p>
+            <a:pPr marL="685800" indent="-685800" algn="l">
+              <a:buFont typeface="Arial" panose="020B0604020202020204" pitchFamily="34" charset="0"/>
+              <a:buChar char="•"/>
+            </a:pPr>
+            <a:r>
+              <a:rPr lang="en-CA" sz="4000" dirty="0"/>
+              <a:t>Understand where Azure Monitor fit in the Azure monitoring solution</a:t>
             </a:r>
           </a:p>
         </p:txBody>
@@ -7040,8 +7060,8 @@
         </p:nvSpPr>
         <p:spPr>
           <a:xfrm>
-            <a:off x="866856" y="2765635"/>
-            <a:ext cx="10722224" cy="3286892"/>
+            <a:off x="492595" y="2294528"/>
+            <a:ext cx="11470746" cy="4117030"/>
           </a:xfrm>
           <a:prstGeom prst="rect">
             <a:avLst/>
@@ -7075,9 +7095,33 @@
             </a:lvl1pPr>
           </a:lstStyle>
           <a:p>
+            <a:pPr marL="571500" indent="-571500" algn="l">
+              <a:buFont typeface="Arial" panose="020B0604020202020204" pitchFamily="34" charset="0"/>
+              <a:buChar char="•"/>
+            </a:pPr>
             <a:r>
-              <a:rPr lang="en-CA" sz="4400" dirty="0"/>
-              <a:t>Azure Monitor is part of Microsoft Azure's overall monitoring solution. Azure Monitor helps you track performance, maintain security, and identify trends. </a:t>
+              <a:rPr lang="en-CA" sz="4000" dirty="0"/>
+              <a:t>Provides base-level metrics and logs from Azure infrastructure (Activity Log) and each individual Azure resource (Diagnostic Logs).</a:t>
+            </a:r>
+          </a:p>
+          <a:p>
+            <a:pPr marL="571500" indent="-571500" algn="l">
+              <a:buFont typeface="Arial" panose="020B0604020202020204" pitchFamily="34" charset="0"/>
+              <a:buChar char="•"/>
+            </a:pPr>
+            <a:r>
+              <a:rPr lang="en-CA" sz="4000" dirty="0"/>
+              <a:t>Let you visualize, querying, routing and alerting.</a:t>
+            </a:r>
+          </a:p>
+          <a:p>
+            <a:pPr marL="571500" indent="-571500" algn="l">
+              <a:buFont typeface="Arial" panose="020B0604020202020204" pitchFamily="34" charset="0"/>
+              <a:buChar char="•"/>
+            </a:pPr>
+            <a:r>
+              <a:rPr lang="en-CA" sz="4000" dirty="0"/>
+              <a:t>Single stop for everything about monitoring ( landing page)</a:t>
             </a:r>
           </a:p>
         </p:txBody>
@@ -7339,7 +7383,7 @@
         </p:nvSpPr>
         <p:spPr>
           <a:xfrm>
-            <a:off x="350489" y="1391060"/>
+            <a:off x="350489" y="2806323"/>
             <a:ext cx="11665802" cy="1136988"/>
           </a:xfrm>
           <a:prstGeom prst="rect">
@@ -7374,9 +7418,10 @@
             </a:lvl1pPr>
           </a:lstStyle>
           <a:p>
+            <a:pPr algn="l"/>
             <a:r>
               <a:rPr lang="en-CA" sz="4400" dirty="0"/>
-              <a:t>Azure Monitor has 3 categories of monitoring data</a:t>
+              <a:t>3 categories of monitoring data</a:t>
             </a:r>
           </a:p>
         </p:txBody>
@@ -7395,7 +7440,7 @@
         </p:nvSpPr>
         <p:spPr>
           <a:xfrm>
-            <a:off x="649045" y="2386423"/>
+            <a:off x="273857" y="3943311"/>
             <a:ext cx="11192466" cy="923330"/>
           </a:xfrm>
           <a:prstGeom prst="rect">
@@ -7481,6 +7526,77 @@
               </a:rPr>
               <a:t>Metrics</a:t>
             </a:r>
+          </a:p>
+        </p:txBody>
+      </p:sp>
+      <p:sp>
+        <p:nvSpPr>
+          <p:cNvPr id="2" name="Rectangle 1">
+            <a:extLst>
+              <a:ext uri="{FF2B5EF4-FFF2-40B4-BE49-F238E27FC236}">
+                <a16:creationId xmlns:a16="http://schemas.microsoft.com/office/drawing/2014/main" id="{459F958A-00C8-4EC9-8AE1-279685CEEC6C}"/>
+              </a:ext>
+            </a:extLst>
+          </p:cNvPr>
+          <p:cNvSpPr/>
+          <p:nvPr/>
+        </p:nvSpPr>
+        <p:spPr>
+          <a:xfrm>
+            <a:off x="350489" y="923468"/>
+            <a:ext cx="11192466" cy="1432458"/>
+          </a:xfrm>
+          <a:prstGeom prst="rect">
+            <a:avLst/>
+          </a:prstGeom>
+        </p:spPr>
+        <p:txBody>
+          <a:bodyPr>
+            <a:noAutofit/>
+          </a:bodyPr>
+          <a:lstStyle/>
+          <a:p>
+            <a:pPr defTabSz="932372">
+              <a:lnSpc>
+                <a:spcPct val="90000"/>
+              </a:lnSpc>
+              <a:spcBef>
+                <a:spcPct val="0"/>
+              </a:spcBef>
+            </a:pPr>
+            <a:r>
+              <a:rPr lang="en-CA" sz="4400" spc="-102" dirty="0">
+                <a:ln w="3175">
+                  <a:noFill/>
+                </a:ln>
+                <a:solidFill>
+                  <a:schemeClr val="bg1"/>
+                </a:solidFill>
+                <a:latin typeface="+mj-lt"/>
+                <a:cs typeface="Segoe UI" pitchFamily="34" charset="0"/>
+              </a:rPr>
+              <a:t>Azure Monitor telemetry pipeline can connect to your Azure services to pull telemetry data. </a:t>
+            </a:r>
+          </a:p>
+          <a:p>
+            <a:pPr defTabSz="932372">
+              <a:lnSpc>
+                <a:spcPct val="90000"/>
+              </a:lnSpc>
+              <a:spcBef>
+                <a:spcPct val="0"/>
+              </a:spcBef>
+            </a:pPr>
+            <a:endParaRPr lang="en-CA" sz="4400" spc="-102" dirty="0">
+              <a:ln w="3175">
+                <a:noFill/>
+              </a:ln>
+              <a:solidFill>
+                <a:schemeClr val="bg1"/>
+              </a:solidFill>
+              <a:latin typeface="+mj-lt"/>
+              <a:cs typeface="Segoe UI" pitchFamily="34" charset="0"/>
+            </a:endParaRPr>
           </a:p>
         </p:txBody>
       </p:sp>

--- a/Step8/Step8-Azure Monitor.pptx
+++ b/Step8/Step8-Azure Monitor.pptx
@@ -11,8 +11,8 @@
     <p:sldId id="636" r:id="rId2"/>
     <p:sldId id="635" r:id="rId3"/>
     <p:sldId id="663" r:id="rId4"/>
-    <p:sldId id="662" r:id="rId5"/>
-    <p:sldId id="664" r:id="rId6"/>
+    <p:sldId id="664" r:id="rId5"/>
+    <p:sldId id="662" r:id="rId6"/>
     <p:sldId id="665" r:id="rId7"/>
     <p:sldId id="661" r:id="rId8"/>
   </p:sldIdLst>
@@ -121,8 +121,8 @@
             <p14:sldId id="636"/>
             <p14:sldId id="635"/>
             <p14:sldId id="663"/>
+            <p14:sldId id="664"/>
             <p14:sldId id="662"/>
-            <p14:sldId id="664"/>
             <p14:sldId id="665"/>
           </p14:sldIdLst>
         </p14:section>
@@ -251,7 +251,7 @@
           <a:p>
             <a:fld id="{9EB326D8-4C38-4835-91AB-B79CDC0B07B3}" type="datetimeFigureOut">
               <a:rPr lang="en-US" smtClean="0"/>
-              <a:t>4/8/2018</a:t>
+              <a:t>4/20/2018</a:t>
             </a:fld>
             <a:endParaRPr lang="en-US"/>
           </a:p>
@@ -646,7 +646,44 @@
           <a:bodyPr/>
           <a:lstStyle/>
           <a:p>
+            <a:r>
+              <a:rPr lang="en-CA" dirty="0"/>
+              <a:t>Application Insights : offers rich detection and diagnostics for issues at the application layer of your service. This is about YOUR code and how well it runs. </a:t>
+            </a:r>
+          </a:p>
+          <a:p>
             <a:endParaRPr lang="en-CA" dirty="0"/>
+          </a:p>
+          <a:p>
+            <a:r>
+              <a:rPr lang="en-CA" dirty="0"/>
+              <a:t>Azure Monitor : Offers visualization, query, routing, alerting, </a:t>
+            </a:r>
+            <a:r>
+              <a:rPr lang="en-CA" dirty="0" err="1"/>
+              <a:t>autoscale</a:t>
+            </a:r>
+            <a:r>
+              <a:rPr lang="en-CA" dirty="0"/>
+              <a:t>, and automation on data both from the Azure infrastructure (Activity Log) and each individual Azure resource (Diagnostic Logs). It was previously known as "Azure Insights" to confuse matters more :)</a:t>
+            </a:r>
+          </a:p>
+          <a:p>
+            <a:endParaRPr lang="en-CA" dirty="0"/>
+          </a:p>
+          <a:p>
+            <a:r>
+              <a:rPr lang="en-CA" dirty="0"/>
+              <a:t>Operations Management Suite : "The one dashboard to rule them all", OMS can be used to monitor and manage infrastructure on Azure, on-premises and third-party cloud-based infrastructure (AWS and Google Cloud). Azure Monitor and Application Insights data can be routed directly to Log Analytics so you can see metrics and logs for your </a:t>
+            </a:r>
+            <a:r>
+              <a:rPr lang="en-CA" b="1" dirty="0"/>
+              <a:t>entire environment in one place</a:t>
+            </a:r>
+            <a:r>
+              <a:rPr lang="en-CA" dirty="0"/>
+              <a:t>.</a:t>
+            </a:r>
           </a:p>
         </p:txBody>
       </p:sp>
@@ -676,7 +713,7 @@
     </p:spTree>
     <p:extLst>
       <p:ext uri="{BB962C8B-B14F-4D97-AF65-F5344CB8AC3E}">
-        <p14:creationId xmlns:p14="http://schemas.microsoft.com/office/powerpoint/2010/main" val="1356075260"/>
+        <p14:creationId xmlns:p14="http://schemas.microsoft.com/office/powerpoint/2010/main" val="2230933060"/>
       </p:ext>
     </p:extLst>
   </p:cSld>
@@ -730,44 +767,7 @@
           <a:bodyPr/>
           <a:lstStyle/>
           <a:p>
-            <a:r>
-              <a:rPr lang="en-CA" dirty="0"/>
-              <a:t>Application Insights : offers rich detection and diagnostics for issues at the application layer of your service. This is about YOUR code and how well it runs. </a:t>
-            </a:r>
-          </a:p>
-          <a:p>
             <a:endParaRPr lang="en-CA" dirty="0"/>
-          </a:p>
-          <a:p>
-            <a:r>
-              <a:rPr lang="en-CA" dirty="0"/>
-              <a:t>Azure Monitor : Offers visualization, query, routing, alerting, </a:t>
-            </a:r>
-            <a:r>
-              <a:rPr lang="en-CA" dirty="0" err="1"/>
-              <a:t>autoscale</a:t>
-            </a:r>
-            <a:r>
-              <a:rPr lang="en-CA" dirty="0"/>
-              <a:t>, and automation on data both from the Azure infrastructure (Activity Log) and each individual Azure resource (Diagnostic Logs). It was previously known as "Azure Insights" to confuse matters more :)</a:t>
-            </a:r>
-          </a:p>
-          <a:p>
-            <a:endParaRPr lang="en-CA" dirty="0"/>
-          </a:p>
-          <a:p>
-            <a:r>
-              <a:rPr lang="en-CA" dirty="0"/>
-              <a:t>Operations Management Suite : "The one dashboard to rule them all", OMS can be used to monitor and manage infrastructure on Azure, on-premises and third-party cloud-based infrastructure (AWS and Google Cloud). Azure Monitor and Application Insights data can be routed directly to Log Analytics so you can see metrics and logs for your </a:t>
-            </a:r>
-            <a:r>
-              <a:rPr lang="en-CA" b="1" dirty="0"/>
-              <a:t>entire environment in one place</a:t>
-            </a:r>
-            <a:r>
-              <a:rPr lang="en-CA" dirty="0"/>
-              <a:t>.</a:t>
-            </a:r>
           </a:p>
         </p:txBody>
       </p:sp>
@@ -797,7 +797,7 @@
     </p:spTree>
     <p:extLst>
       <p:ext uri="{BB962C8B-B14F-4D97-AF65-F5344CB8AC3E}">
-        <p14:creationId xmlns:p14="http://schemas.microsoft.com/office/powerpoint/2010/main" val="2230933060"/>
+        <p14:creationId xmlns:p14="http://schemas.microsoft.com/office/powerpoint/2010/main" val="1356075260"/>
       </p:ext>
     </p:extLst>
   </p:cSld>
@@ -7145,6 +7145,126 @@
 <file path=ppt/slides/slide4.xml><?xml version="1.0" encoding="utf-8"?>
 <p:sld xmlns:a="http://schemas.openxmlformats.org/drawingml/2006/main" xmlns:r="http://schemas.openxmlformats.org/officeDocument/2006/relationships" xmlns:p="http://schemas.openxmlformats.org/presentationml/2006/main">
   <p:cSld>
+    <p:bg>
+      <p:bgPr>
+        <a:solidFill>
+          <a:srgbClr val="0072C6"/>
+        </a:solidFill>
+        <a:effectLst/>
+      </p:bgPr>
+    </p:bg>
+    <p:spTree>
+      <p:nvGrpSpPr>
+        <p:cNvPr id="1" name=""/>
+        <p:cNvGrpSpPr/>
+        <p:nvPr/>
+      </p:nvGrpSpPr>
+      <p:grpSpPr>
+        <a:xfrm>
+          <a:off x="0" y="0"/>
+          <a:ext cx="0" cy="0"/>
+          <a:chOff x="0" y="0"/>
+          <a:chExt cx="0" cy="0"/>
+        </a:xfrm>
+      </p:grpSpPr>
+      <p:sp>
+        <p:nvSpPr>
+          <p:cNvPr id="2" name="Title 1"/>
+          <p:cNvSpPr>
+            <a:spLocks noGrp="1"/>
+          </p:cNvSpPr>
+          <p:nvPr>
+            <p:ph type="ctrTitle"/>
+          </p:nvPr>
+        </p:nvSpPr>
+        <p:spPr>
+          <a:xfrm>
+            <a:off x="866856" y="889131"/>
+            <a:ext cx="10722224" cy="1195233"/>
+          </a:xfrm>
+        </p:spPr>
+        <p:txBody>
+          <a:bodyPr/>
+          <a:lstStyle/>
+          <a:p>
+            <a:r>
+              <a:rPr lang="en-US" b="1" dirty="0"/>
+              <a:t>Confusing?</a:t>
+            </a:r>
+          </a:p>
+        </p:txBody>
+      </p:sp>
+      <p:sp>
+        <p:nvSpPr>
+          <p:cNvPr id="3" name="Title 1"/>
+          <p:cNvSpPr txBox="1">
+            <a:spLocks/>
+          </p:cNvSpPr>
+          <p:nvPr/>
+        </p:nvSpPr>
+        <p:spPr>
+          <a:xfrm>
+            <a:off x="866856" y="2765635"/>
+            <a:ext cx="10722224" cy="3286892"/>
+          </a:xfrm>
+          <a:prstGeom prst="rect">
+            <a:avLst/>
+          </a:prstGeom>
+        </p:spPr>
+        <p:txBody>
+          <a:bodyPr>
+            <a:noAutofit/>
+          </a:bodyPr>
+          <a:lstStyle>
+            <a:lvl1pPr algn="ctr" defTabSz="932372" rtl="0" eaLnBrk="1" latinLnBrk="0" hangingPunct="1">
+              <a:lnSpc>
+                <a:spcPct val="90000"/>
+              </a:lnSpc>
+              <a:spcBef>
+                <a:spcPct val="0"/>
+              </a:spcBef>
+              <a:buNone/>
+              <a:defRPr lang="en-US" sz="8159" b="0" kern="1200" cap="none" spc="-102" baseline="0">
+                <a:ln w="3175">
+                  <a:noFill/>
+                </a:ln>
+                <a:solidFill>
+                  <a:schemeClr val="bg1"/>
+                </a:solidFill>
+                <a:effectLst/>
+                <a:latin typeface="+mj-lt"/>
+                <a:ea typeface="+mn-ea"/>
+                <a:cs typeface="Segoe UI" pitchFamily="34" charset="0"/>
+              </a:defRPr>
+            </a:lvl1pPr>
+          </a:lstStyle>
+          <a:p>
+            <a:r>
+              <a:rPr lang="en-CA" sz="4400" dirty="0"/>
+              <a:t>APPINSIGHTS VS AZURE MONITOR VS OMS</a:t>
+            </a:r>
+          </a:p>
+        </p:txBody>
+      </p:sp>
+    </p:spTree>
+    <p:extLst>
+      <p:ext uri="{BB962C8B-B14F-4D97-AF65-F5344CB8AC3E}">
+        <p14:creationId xmlns:p14="http://schemas.microsoft.com/office/powerpoint/2010/main" val="2990370706"/>
+      </p:ext>
+    </p:extLst>
+  </p:cSld>
+  <p:clrMapOvr>
+    <a:masterClrMapping/>
+  </p:clrMapOvr>
+  <p:transition>
+    <p:fade/>
+  </p:transition>
+</p:sld>
+</file>
+
+<file path=ppt/slides/slide5.xml><?xml version="1.0" encoding="utf-8"?>
+<p:sld xmlns:a="http://schemas.openxmlformats.org/drawingml/2006/main" xmlns:r="http://schemas.openxmlformats.org/officeDocument/2006/relationships" xmlns:p="http://schemas.openxmlformats.org/presentationml/2006/main">
+  <p:cSld>
     <p:spTree>
       <p:nvGrpSpPr>
         <p:cNvPr id="1" name=""/>
@@ -7210,126 +7330,6 @@
     <p:extLst>
       <p:ext uri="{BB962C8B-B14F-4D97-AF65-F5344CB8AC3E}">
         <p14:creationId xmlns:p14="http://schemas.microsoft.com/office/powerpoint/2010/main" val="2167039064"/>
-      </p:ext>
-    </p:extLst>
-  </p:cSld>
-  <p:clrMapOvr>
-    <a:masterClrMapping/>
-  </p:clrMapOvr>
-  <p:transition>
-    <p:fade/>
-  </p:transition>
-</p:sld>
-</file>
-
-<file path=ppt/slides/slide5.xml><?xml version="1.0" encoding="utf-8"?>
-<p:sld xmlns:a="http://schemas.openxmlformats.org/drawingml/2006/main" xmlns:r="http://schemas.openxmlformats.org/officeDocument/2006/relationships" xmlns:p="http://schemas.openxmlformats.org/presentationml/2006/main">
-  <p:cSld>
-    <p:bg>
-      <p:bgPr>
-        <a:solidFill>
-          <a:srgbClr val="0072C6"/>
-        </a:solidFill>
-        <a:effectLst/>
-      </p:bgPr>
-    </p:bg>
-    <p:spTree>
-      <p:nvGrpSpPr>
-        <p:cNvPr id="1" name=""/>
-        <p:cNvGrpSpPr/>
-        <p:nvPr/>
-      </p:nvGrpSpPr>
-      <p:grpSpPr>
-        <a:xfrm>
-          <a:off x="0" y="0"/>
-          <a:ext cx="0" cy="0"/>
-          <a:chOff x="0" y="0"/>
-          <a:chExt cx="0" cy="0"/>
-        </a:xfrm>
-      </p:grpSpPr>
-      <p:sp>
-        <p:nvSpPr>
-          <p:cNvPr id="2" name="Title 1"/>
-          <p:cNvSpPr>
-            <a:spLocks noGrp="1"/>
-          </p:cNvSpPr>
-          <p:nvPr>
-            <p:ph type="ctrTitle"/>
-          </p:nvPr>
-        </p:nvSpPr>
-        <p:spPr>
-          <a:xfrm>
-            <a:off x="866856" y="889131"/>
-            <a:ext cx="10722224" cy="1195233"/>
-          </a:xfrm>
-        </p:spPr>
-        <p:txBody>
-          <a:bodyPr/>
-          <a:lstStyle/>
-          <a:p>
-            <a:r>
-              <a:rPr lang="en-US" b="1" dirty="0"/>
-              <a:t>Confusing?</a:t>
-            </a:r>
-          </a:p>
-        </p:txBody>
-      </p:sp>
-      <p:sp>
-        <p:nvSpPr>
-          <p:cNvPr id="3" name="Title 1"/>
-          <p:cNvSpPr txBox="1">
-            <a:spLocks/>
-          </p:cNvSpPr>
-          <p:nvPr/>
-        </p:nvSpPr>
-        <p:spPr>
-          <a:xfrm>
-            <a:off x="866856" y="2765635"/>
-            <a:ext cx="10722224" cy="3286892"/>
-          </a:xfrm>
-          <a:prstGeom prst="rect">
-            <a:avLst/>
-          </a:prstGeom>
-        </p:spPr>
-        <p:txBody>
-          <a:bodyPr>
-            <a:noAutofit/>
-          </a:bodyPr>
-          <a:lstStyle>
-            <a:lvl1pPr algn="ctr" defTabSz="932372" rtl="0" eaLnBrk="1" latinLnBrk="0" hangingPunct="1">
-              <a:lnSpc>
-                <a:spcPct val="90000"/>
-              </a:lnSpc>
-              <a:spcBef>
-                <a:spcPct val="0"/>
-              </a:spcBef>
-              <a:buNone/>
-              <a:defRPr lang="en-US" sz="8159" b="0" kern="1200" cap="none" spc="-102" baseline="0">
-                <a:ln w="3175">
-                  <a:noFill/>
-                </a:ln>
-                <a:solidFill>
-                  <a:schemeClr val="bg1"/>
-                </a:solidFill>
-                <a:effectLst/>
-                <a:latin typeface="+mj-lt"/>
-                <a:ea typeface="+mn-ea"/>
-                <a:cs typeface="Segoe UI" pitchFamily="34" charset="0"/>
-              </a:defRPr>
-            </a:lvl1pPr>
-          </a:lstStyle>
-          <a:p>
-            <a:r>
-              <a:rPr lang="en-CA" sz="4400" dirty="0"/>
-              <a:t>APPINSIGHTS VS AZURE MONITOR VS OMS</a:t>
-            </a:r>
-          </a:p>
-        </p:txBody>
-      </p:sp>
-    </p:spTree>
-    <p:extLst>
-      <p:ext uri="{BB962C8B-B14F-4D97-AF65-F5344CB8AC3E}">
-        <p14:creationId xmlns:p14="http://schemas.microsoft.com/office/powerpoint/2010/main" val="2990370706"/>
       </p:ext>
     </p:extLst>
   </p:cSld>
